--- a/01_Doc/03_DB/20210502 ERM - rev 0.pptx
+++ b/01_Doc/03_DB/20210502 ERM - rev 0.pptx
@@ -200,7 +200,7 @@
           <a:p>
             <a:fld id="{46731A9A-F414-4158-90AE-3BC887E8B501}" type="datetimeFigureOut">
               <a:rPr lang="ko-KR" altLang="en-US" smtClean="0"/>
-              <a:t>2021-05-02</a:t>
+              <a:t>2021-08-01</a:t>
             </a:fld>
             <a:endParaRPr lang="ko-KR" altLang="en-US"/>
           </a:p>
@@ -682,7 +682,7 @@
           <a:p>
             <a:fld id="{1ACA43A2-98BA-4FA4-BA25-5FA950EAADAF}" type="datetimeFigureOut">
               <a:rPr lang="ko-KR" altLang="en-US" smtClean="0"/>
-              <a:t>2021-05-02</a:t>
+              <a:t>2021-08-01</a:t>
             </a:fld>
             <a:endParaRPr lang="ko-KR" altLang="en-US"/>
           </a:p>
@@ -852,7 +852,7 @@
           <a:p>
             <a:fld id="{1ACA43A2-98BA-4FA4-BA25-5FA950EAADAF}" type="datetimeFigureOut">
               <a:rPr lang="ko-KR" altLang="en-US" smtClean="0"/>
-              <a:t>2021-05-02</a:t>
+              <a:t>2021-08-01</a:t>
             </a:fld>
             <a:endParaRPr lang="ko-KR" altLang="en-US"/>
           </a:p>
@@ -1032,7 +1032,7 @@
           <a:p>
             <a:fld id="{1ACA43A2-98BA-4FA4-BA25-5FA950EAADAF}" type="datetimeFigureOut">
               <a:rPr lang="ko-KR" altLang="en-US" smtClean="0"/>
-              <a:t>2021-05-02</a:t>
+              <a:t>2021-08-01</a:t>
             </a:fld>
             <a:endParaRPr lang="ko-KR" altLang="en-US"/>
           </a:p>
@@ -1202,7 +1202,7 @@
           <a:p>
             <a:fld id="{1ACA43A2-98BA-4FA4-BA25-5FA950EAADAF}" type="datetimeFigureOut">
               <a:rPr lang="ko-KR" altLang="en-US" smtClean="0"/>
-              <a:t>2021-05-02</a:t>
+              <a:t>2021-08-01</a:t>
             </a:fld>
             <a:endParaRPr lang="ko-KR" altLang="en-US"/>
           </a:p>
@@ -1446,7 +1446,7 @@
           <a:p>
             <a:fld id="{1ACA43A2-98BA-4FA4-BA25-5FA950EAADAF}" type="datetimeFigureOut">
               <a:rPr lang="ko-KR" altLang="en-US" smtClean="0"/>
-              <a:t>2021-05-02</a:t>
+              <a:t>2021-08-01</a:t>
             </a:fld>
             <a:endParaRPr lang="ko-KR" altLang="en-US"/>
           </a:p>
@@ -1678,7 +1678,7 @@
           <a:p>
             <a:fld id="{1ACA43A2-98BA-4FA4-BA25-5FA950EAADAF}" type="datetimeFigureOut">
               <a:rPr lang="ko-KR" altLang="en-US" smtClean="0"/>
-              <a:t>2021-05-02</a:t>
+              <a:t>2021-08-01</a:t>
             </a:fld>
             <a:endParaRPr lang="ko-KR" altLang="en-US"/>
           </a:p>
@@ -2045,7 +2045,7 @@
           <a:p>
             <a:fld id="{1ACA43A2-98BA-4FA4-BA25-5FA950EAADAF}" type="datetimeFigureOut">
               <a:rPr lang="ko-KR" altLang="en-US" smtClean="0"/>
-              <a:t>2021-05-02</a:t>
+              <a:t>2021-08-01</a:t>
             </a:fld>
             <a:endParaRPr lang="ko-KR" altLang="en-US"/>
           </a:p>
@@ -2163,7 +2163,7 @@
           <a:p>
             <a:fld id="{1ACA43A2-98BA-4FA4-BA25-5FA950EAADAF}" type="datetimeFigureOut">
               <a:rPr lang="ko-KR" altLang="en-US" smtClean="0"/>
-              <a:t>2021-05-02</a:t>
+              <a:t>2021-08-01</a:t>
             </a:fld>
             <a:endParaRPr lang="ko-KR" altLang="en-US"/>
           </a:p>
@@ -2258,7 +2258,7 @@
           <a:p>
             <a:fld id="{1ACA43A2-98BA-4FA4-BA25-5FA950EAADAF}" type="datetimeFigureOut">
               <a:rPr lang="ko-KR" altLang="en-US" smtClean="0"/>
-              <a:t>2021-05-02</a:t>
+              <a:t>2021-08-01</a:t>
             </a:fld>
             <a:endParaRPr lang="ko-KR" altLang="en-US"/>
           </a:p>
@@ -2535,7 +2535,7 @@
           <a:p>
             <a:fld id="{1ACA43A2-98BA-4FA4-BA25-5FA950EAADAF}" type="datetimeFigureOut">
               <a:rPr lang="ko-KR" altLang="en-US" smtClean="0"/>
-              <a:t>2021-05-02</a:t>
+              <a:t>2021-08-01</a:t>
             </a:fld>
             <a:endParaRPr lang="ko-KR" altLang="en-US"/>
           </a:p>
@@ -2792,7 +2792,7 @@
           <a:p>
             <a:fld id="{1ACA43A2-98BA-4FA4-BA25-5FA950EAADAF}" type="datetimeFigureOut">
               <a:rPr lang="ko-KR" altLang="en-US" smtClean="0"/>
-              <a:t>2021-05-02</a:t>
+              <a:t>2021-08-01</a:t>
             </a:fld>
             <a:endParaRPr lang="ko-KR" altLang="en-US"/>
           </a:p>
@@ -3005,7 +3005,7 @@
           <a:p>
             <a:fld id="{1ACA43A2-98BA-4FA4-BA25-5FA950EAADAF}" type="datetimeFigureOut">
               <a:rPr lang="ko-KR" altLang="en-US" smtClean="0"/>
-              <a:t>2021-05-02</a:t>
+              <a:t>2021-08-01</a:t>
             </a:fld>
             <a:endParaRPr lang="ko-KR" altLang="en-US"/>
           </a:p>
@@ -3998,7 +3998,7 @@
           <p:nvPr>
             <p:extLst>
               <p:ext uri="{D42A27DB-BD31-4B8C-83A1-F6EECF244321}">
-                <p14:modId xmlns:p14="http://schemas.microsoft.com/office/powerpoint/2010/main" val="3680408298"/>
+                <p14:modId xmlns:p14="http://schemas.microsoft.com/office/powerpoint/2010/main" val="1597606028"/>
               </p:ext>
             </p:extLst>
           </p:nvPr>
@@ -5582,7 +5582,7 @@
           <p:nvPr>
             <p:extLst>
               <p:ext uri="{D42A27DB-BD31-4B8C-83A1-F6EECF244321}">
-                <p14:modId xmlns:p14="http://schemas.microsoft.com/office/powerpoint/2010/main" val="2588182101"/>
+                <p14:modId xmlns:p14="http://schemas.microsoft.com/office/powerpoint/2010/main" val="1340781121"/>
               </p:ext>
             </p:extLst>
           </p:nvPr>
